--- a/ppt/2020/项目实践：工作过程记录.pptx
+++ b/ppt/2020/项目实践：工作过程记录.pptx
@@ -5,7 +5,7 @@
     <p:sldMasterId id="2147483648" r:id="rId1"/>
   </p:sldMasterIdLst>
   <p:notesMasterIdLst>
-    <p:notesMasterId r:id="rId26"/>
+    <p:notesMasterId r:id="rId27"/>
   </p:notesMasterIdLst>
   <p:sldIdLst>
     <p:sldId id="409" r:id="rId2"/>
@@ -32,6 +32,7 @@
     <p:sldId id="452" r:id="rId23"/>
     <p:sldId id="456" r:id="rId24"/>
     <p:sldId id="457" r:id="rId25"/>
+    <p:sldId id="458" r:id="rId26"/>
   </p:sldIdLst>
   <p:sldSz cx="12192000" cy="6858000"/>
   <p:notesSz cx="6858000" cy="9144000"/>
@@ -130,6 +131,25 @@
       </a:defRPr>
     </a:lvl9pPr>
   </p:defaultTextStyle>
+  <p:extLst>
+    <p:ext uri="{EFAFB233-063F-42B5-8137-9DF3F51BA10A}">
+      <p15:sldGuideLst xmlns:p15="http://schemas.microsoft.com/office/powerpoint/2012/main">
+        <p15:guide id="1" orient="horz" pos="2160">
+          <p15:clr>
+            <a:srgbClr val="A4A3A4"/>
+          </p15:clr>
+        </p15:guide>
+        <p15:guide id="2" pos="3838">
+          <p15:clr>
+            <a:srgbClr val="A4A3A4"/>
+          </p15:clr>
+        </p15:guide>
+      </p15:sldGuideLst>
+    </p:ext>
+    <p:ext uri="{2D200454-40CA-4A62-9FC3-DE9A4176ACB9}">
+      <p15:notesGuideLst xmlns:p15="http://schemas.microsoft.com/office/powerpoint/2012/main"/>
+    </p:ext>
+  </p:extLst>
 </p:presentation>
 </file>
 
@@ -222,7 +242,7 @@
             <a:fld id="{D2A48B96-639E-45A3-A0BA-2464DFDB1FAA}" type="datetimeFigureOut">
               <a:rPr lang="zh-CN" altLang="en-US" smtClean="0"/>
               <a:pPr/>
-              <a:t>2020/10/27</a:t>
+              <a:t>2021/8/16</a:t>
             </a:fld>
             <a:endParaRPr lang="zh-CN" altLang="en-US"/>
           </a:p>
@@ -391,7 +411,7 @@
     </p:spTree>
     <p:extLst>
       <p:ext uri="{BB962C8B-B14F-4D97-AF65-F5344CB8AC3E}">
-        <p14:creationId xmlns:p14="http://schemas.microsoft.com/office/powerpoint/2010/main" xmlns="" val="2112363394"/>
+        <p14:creationId xmlns:p14="http://schemas.microsoft.com/office/powerpoint/2010/main" val="2112363394"/>
       </p:ext>
     </p:extLst>
   </p:cSld>
@@ -596,6 +616,138 @@
 </p:notes>
 </file>
 
+<file path=ppt/notesSlides/notesSlide2.xml><?xml version="1.0" encoding="utf-8"?>
+<p:notes xmlns:a="http://schemas.openxmlformats.org/drawingml/2006/main" xmlns:r="http://schemas.openxmlformats.org/officeDocument/2006/relationships" xmlns:p="http://schemas.openxmlformats.org/presentationml/2006/main">
+  <p:cSld>
+    <p:spTree>
+      <p:nvGrpSpPr>
+        <p:cNvPr id="1" name=""/>
+        <p:cNvGrpSpPr/>
+        <p:nvPr/>
+      </p:nvGrpSpPr>
+      <p:grpSpPr>
+        <a:xfrm>
+          <a:off x="0" y="0"/>
+          <a:ext cx="0" cy="0"/>
+          <a:chOff x="0" y="0"/>
+          <a:chExt cx="0" cy="0"/>
+        </a:xfrm>
+      </p:grpSpPr>
+      <p:sp>
+        <p:nvSpPr>
+          <p:cNvPr id="2" name="幻灯片图像占位符 1"/>
+          <p:cNvSpPr>
+            <a:spLocks noGrp="1" noRot="1" noChangeAspect="1"/>
+          </p:cNvSpPr>
+          <p:nvPr>
+            <p:ph type="sldImg"/>
+          </p:nvPr>
+        </p:nvSpPr>
+        <p:spPr/>
+      </p:sp>
+      <p:sp>
+        <p:nvSpPr>
+          <p:cNvPr id="3" name="备注占位符 2"/>
+          <p:cNvSpPr>
+            <a:spLocks noGrp="1"/>
+          </p:cNvSpPr>
+          <p:nvPr>
+            <p:ph type="body" idx="1"/>
+          </p:nvPr>
+        </p:nvSpPr>
+        <p:spPr/>
+        <p:txBody>
+          <a:bodyPr/>
+          <a:lstStyle/>
+          <a:p>
+            <a:pPr marL="0" marR="0" lvl="0" indent="0" algn="l" defTabSz="914400" rtl="0" eaLnBrk="1" fontAlgn="auto" latinLnBrk="0" hangingPunct="1">
+              <a:lnSpc>
+                <a:spcPct val="100000"/>
+              </a:lnSpc>
+              <a:spcBef>
+                <a:spcPts val="0"/>
+              </a:spcBef>
+              <a:spcAft>
+                <a:spcPts val="0"/>
+              </a:spcAft>
+              <a:buClrTx/>
+              <a:buSzTx/>
+              <a:buFontTx/>
+              <a:buNone/>
+              <a:tabLst/>
+              <a:defRPr/>
+            </a:pPr>
+            <a:r>
+              <a:rPr lang="en-US" altLang="zh-CN" sz="1200" b="1" i="0" kern="1200" dirty="0" err="1" smtClean="0">
+                <a:solidFill>
+                  <a:schemeClr val="tx1"/>
+                </a:solidFill>
+                <a:effectLst/>
+                <a:latin typeface="+mn-lt"/>
+                <a:ea typeface="+mn-ea"/>
+                <a:cs typeface="+mn-cs"/>
+              </a:rPr>
+              <a:t>memcpy</a:t>
+            </a:r>
+            <a:r>
+              <a:rPr lang="zh-CN" altLang="en-US" sz="1200" b="1" i="0" kern="1200" dirty="0" smtClean="0">
+                <a:solidFill>
+                  <a:schemeClr val="tx1"/>
+                </a:solidFill>
+                <a:effectLst/>
+                <a:latin typeface="+mn-lt"/>
+                <a:ea typeface="+mn-ea"/>
+                <a:cs typeface="+mn-cs"/>
+              </a:rPr>
+              <a:t>函数拷贝时候遇到的虚拟地址与物理地址问题</a:t>
+            </a:r>
+          </a:p>
+          <a:p>
+            <a:r>
+              <a:rPr lang="en-US" altLang="zh-CN" dirty="0" smtClean="0"/>
+              <a:t>https://hub.fastgit.org/isocpp/CppCoreGuidelines/blob/master/CppCoreGuidelines.md#Rr-mallocfree</a:t>
+            </a:r>
+            <a:endParaRPr lang="zh-CN" altLang="en-US" dirty="0"/>
+          </a:p>
+        </p:txBody>
+      </p:sp>
+      <p:sp>
+        <p:nvSpPr>
+          <p:cNvPr id="4" name="灯片编号占位符 3"/>
+          <p:cNvSpPr>
+            <a:spLocks noGrp="1"/>
+          </p:cNvSpPr>
+          <p:nvPr>
+            <p:ph type="sldNum" sz="quarter" idx="10"/>
+          </p:nvPr>
+        </p:nvSpPr>
+        <p:spPr/>
+        <p:txBody>
+          <a:bodyPr/>
+          <a:lstStyle/>
+          <a:p>
+            <a:fld id="{A6837353-30EB-4A48-80EB-173D804AEFBD}" type="slidenum">
+              <a:rPr lang="zh-CN" altLang="en-US" smtClean="0"/>
+              <a:pPr/>
+              <a:t>25</a:t>
+            </a:fld>
+            <a:endParaRPr lang="zh-CN" altLang="en-US"/>
+          </a:p>
+        </p:txBody>
+      </p:sp>
+    </p:spTree>
+    <p:extLst>
+      <p:ext uri="{BB962C8B-B14F-4D97-AF65-F5344CB8AC3E}">
+        <p14:creationId xmlns:p14="http://schemas.microsoft.com/office/powerpoint/2010/main" val="455930778"/>
+      </p:ext>
+    </p:extLst>
+  </p:cSld>
+  <p:clrMapOvr>
+    <a:masterClrMapping/>
+  </p:clrMapOvr>
+</p:notes>
+</file>
+
 <file path=ppt/slideLayouts/slideLayout1.xml><?xml version="1.0" encoding="utf-8"?>
 <p:sldLayout xmlns:a="http://schemas.openxmlformats.org/drawingml/2006/main" xmlns:r="http://schemas.openxmlformats.org/officeDocument/2006/relationships" xmlns:p="http://schemas.openxmlformats.org/presentationml/2006/main" type="title" preserve="1">
   <p:cSld name="标题幻灯片">
@@ -758,7 +910,7 @@
             <a:fld id="{760FBDFE-C587-4B4C-A407-44438C67B59E}" type="datetimeFigureOut">
               <a:rPr lang="zh-CN" altLang="en-US" smtClean="0"/>
               <a:pPr/>
-              <a:t>2020/10/27</a:t>
+              <a:t>2021/8/16</a:t>
             </a:fld>
             <a:endParaRPr lang="zh-CN" altLang="en-US"/>
           </a:p>
@@ -859,7 +1011,7 @@
             <a:fld id="{760FBDFE-C587-4B4C-A407-44438C67B59E}" type="datetimeFigureOut">
               <a:rPr lang="zh-CN" altLang="en-US" smtClean="0"/>
               <a:pPr/>
-              <a:t>2020/10/27</a:t>
+              <a:t>2021/8/16</a:t>
             </a:fld>
             <a:endParaRPr lang="zh-CN" altLang="en-US"/>
           </a:p>
@@ -1106,7 +1258,7 @@
             <a:fld id="{760FBDFE-C587-4B4C-A407-44438C67B59E}" type="datetimeFigureOut">
               <a:rPr lang="zh-CN" altLang="en-US" smtClean="0"/>
               <a:pPr/>
-              <a:t>2020/10/27</a:t>
+              <a:t>2021/8/16</a:t>
             </a:fld>
             <a:endParaRPr lang="zh-CN" altLang="en-US"/>
           </a:p>
@@ -1571,7 +1723,7 @@
             <a:fld id="{760FBDFE-C587-4B4C-A407-44438C67B59E}" type="datetimeFigureOut">
               <a:rPr lang="zh-CN" altLang="en-US" smtClean="0"/>
               <a:pPr/>
-              <a:t>2020/10/27</a:t>
+              <a:t>2021/8/16</a:t>
             </a:fld>
             <a:endParaRPr lang="zh-CN" altLang="en-US"/>
           </a:p>
@@ -1850,7 +2002,7 @@
             <a:fld id="{760FBDFE-C587-4B4C-A407-44438C67B59E}" type="datetimeFigureOut">
               <a:rPr lang="zh-CN" altLang="en-US" smtClean="0"/>
               <a:pPr/>
-              <a:t>2020/10/27</a:t>
+              <a:t>2021/8/16</a:t>
             </a:fld>
             <a:endParaRPr lang="zh-CN" altLang="en-US"/>
           </a:p>
@@ -2365,7 +2517,7 @@
             <a:fld id="{760FBDFE-C587-4B4C-A407-44438C67B59E}" type="datetimeFigureOut">
               <a:rPr lang="zh-CN" altLang="en-US" smtClean="0"/>
               <a:pPr/>
-              <a:t>2020/10/27</a:t>
+              <a:t>2021/8/16</a:t>
             </a:fld>
             <a:endParaRPr lang="zh-CN" altLang="en-US"/>
           </a:p>
@@ -3111,7 +3263,7 @@
             <a:fld id="{760FBDFE-C587-4B4C-A407-44438C67B59E}" type="datetimeFigureOut">
               <a:rPr lang="zh-CN" altLang="en-US" smtClean="0"/>
               <a:pPr/>
-              <a:t>2020/10/27</a:t>
+              <a:t>2021/8/16</a:t>
             </a:fld>
             <a:endParaRPr lang="zh-CN" altLang="en-US"/>
           </a:p>
@@ -3267,7 +3419,7 @@
             <a:fld id="{760FBDFE-C587-4B4C-A407-44438C67B59E}" type="datetimeFigureOut">
               <a:rPr lang="zh-CN" altLang="en-US" smtClean="0"/>
               <a:pPr/>
-              <a:t>2020/10/27</a:t>
+              <a:t>2021/8/16</a:t>
             </a:fld>
             <a:endParaRPr lang="zh-CN" altLang="en-US"/>
           </a:p>
@@ -3368,7 +3520,7 @@
             <a:fld id="{760FBDFE-C587-4B4C-A407-44438C67B59E}" type="datetimeFigureOut">
               <a:rPr lang="zh-CN" altLang="en-US" smtClean="0"/>
               <a:pPr/>
-              <a:t>2020/10/27</a:t>
+              <a:t>2021/8/16</a:t>
             </a:fld>
             <a:endParaRPr lang="zh-CN" altLang="en-US"/>
           </a:p>
@@ -3748,7 +3900,7 @@
             <a:fld id="{9EFD9D74-47D9-4702-A33C-335B63B48DBF}" type="datetimeFigureOut">
               <a:rPr lang="zh-CN" altLang="en-US" smtClean="0"/>
               <a:pPr/>
-              <a:t>2020/10/27</a:t>
+              <a:t>2021/8/16</a:t>
             </a:fld>
             <a:endParaRPr lang="zh-CN" altLang="en-US"/>
           </a:p>
@@ -4097,7 +4249,7 @@
             <a:fld id="{760FBDFE-C587-4B4C-A407-44438C67B59E}" type="datetimeFigureOut">
               <a:rPr lang="zh-CN" altLang="en-US" smtClean="0"/>
               <a:pPr/>
-              <a:t>2020/10/27</a:t>
+              <a:t>2021/8/16</a:t>
             </a:fld>
             <a:endParaRPr lang="zh-CN" altLang="en-US"/>
           </a:p>
@@ -4335,7 +4487,7 @@
             <a:fld id="{760FBDFE-C587-4B4C-A407-44438C67B59E}" type="datetimeFigureOut">
               <a:rPr lang="zh-CN" altLang="en-US" smtClean="0"/>
               <a:pPr/>
-              <a:t>2020/10/27</a:t>
+              <a:t>2021/8/16</a:t>
             </a:fld>
             <a:endParaRPr lang="zh-CN" altLang="en-US"/>
           </a:p>
@@ -6751,11 +6903,7 @@
             </a:r>
             <a:r>
               <a:rPr lang="en-US" b="1" smtClean="0"/>
-              <a:t>RESP protocol </a:t>
-            </a:r>
-            <a:r>
-              <a:rPr lang="en-US" b="1" smtClean="0"/>
-              <a:t>description </a:t>
+              <a:t>RESP protocol description </a:t>
             </a:r>
             <a:endParaRPr lang="en-US" smtClean="0"/>
           </a:p>
@@ -6778,11 +6926,7 @@
             </a:pPr>
             <a:r>
               <a:rPr lang="en-US" altLang="zh-CN" smtClean="0"/>
-              <a:t> </a:t>
-            </a:r>
-            <a:r>
-              <a:rPr lang="en-US" altLang="zh-CN" smtClean="0"/>
-              <a:t> Redis AOF</a:t>
+              <a:t>  Redis AOF</a:t>
             </a:r>
             <a:r>
               <a:rPr smtClean="0"/>
@@ -6927,6 +7071,91 @@
         </p:spPr>
       </p:pic>
     </p:spTree>
+  </p:cSld>
+  <p:clrMapOvr>
+    <a:masterClrMapping/>
+  </p:clrMapOvr>
+</p:sld>
+</file>
+
+<file path=ppt/slides/slide25.xml><?xml version="1.0" encoding="utf-8"?>
+<p:sld xmlns:a="http://schemas.openxmlformats.org/drawingml/2006/main" xmlns:r="http://schemas.openxmlformats.org/officeDocument/2006/relationships" xmlns:p="http://schemas.openxmlformats.org/presentationml/2006/main">
+  <p:cSld>
+    <p:spTree>
+      <p:nvGrpSpPr>
+        <p:cNvPr id="1" name=""/>
+        <p:cNvGrpSpPr/>
+        <p:nvPr/>
+      </p:nvGrpSpPr>
+      <p:grpSpPr>
+        <a:xfrm>
+          <a:off x="0" y="0"/>
+          <a:ext cx="0" cy="0"/>
+          <a:chOff x="0" y="0"/>
+          <a:chExt cx="0" cy="0"/>
+        </a:xfrm>
+      </p:grpSpPr>
+      <p:sp>
+        <p:nvSpPr>
+          <p:cNvPr id="2" name="标题 1"/>
+          <p:cNvSpPr>
+            <a:spLocks noGrp="1"/>
+          </p:cNvSpPr>
+          <p:nvPr>
+            <p:ph type="title"/>
+          </p:nvPr>
+        </p:nvSpPr>
+        <p:spPr/>
+        <p:txBody>
+          <a:bodyPr>
+            <a:normAutofit fontScale="90000"/>
+          </a:bodyPr>
+          <a:lstStyle/>
+          <a:p>
+            <a:r>
+              <a:rPr lang="zh-CN" altLang="en-US" dirty="0"/>
+              <a:t>如何解决内存泄漏问题？高并发情况呢</a:t>
+            </a:r>
+            <a:br>
+              <a:rPr lang="zh-CN" altLang="en-US" dirty="0"/>
+            </a:br>
+            <a:endParaRPr lang="zh-CN" altLang="en-US" dirty="0"/>
+          </a:p>
+        </p:txBody>
+      </p:sp>
+      <p:sp>
+        <p:nvSpPr>
+          <p:cNvPr id="3" name="内容占位符 2"/>
+          <p:cNvSpPr>
+            <a:spLocks noGrp="1"/>
+          </p:cNvSpPr>
+          <p:nvPr>
+            <p:ph idx="1"/>
+          </p:nvPr>
+        </p:nvSpPr>
+        <p:spPr/>
+        <p:txBody>
+          <a:bodyPr/>
+          <a:lstStyle/>
+          <a:p>
+            <a:r>
+              <a:rPr lang="en-US" altLang="zh-CN" dirty="0" err="1"/>
+              <a:t>malloc</a:t>
+            </a:r>
+            <a:r>
+              <a:rPr lang="zh-CN" altLang="en-US"/>
+              <a:t>原理</a:t>
+            </a:r>
+            <a:endParaRPr lang="zh-CN" altLang="en-US" dirty="0"/>
+          </a:p>
+        </p:txBody>
+      </p:sp>
+    </p:spTree>
+    <p:extLst>
+      <p:ext uri="{BB962C8B-B14F-4D97-AF65-F5344CB8AC3E}">
+        <p14:creationId xmlns:p14="http://schemas.microsoft.com/office/powerpoint/2010/main" val="1679392704"/>
+      </p:ext>
+    </p:extLst>
   </p:cSld>
   <p:clrMapOvr>
     <a:masterClrMapping/>
@@ -9662,7 +9891,7 @@
   <a:extraClrSchemeLst/>
   <a:extLst>
     <a:ext uri="{05A4C25C-085E-4340-85A3-A5531E510DB2}">
-      <thm15:themeFamily xmlns="" xmlns:thm15="http://schemas.microsoft.com/office/thememl/2012/main" name="Office Theme" id="{62F939B6-93AF-4DB8-9C6B-D6C7DFDC589F}" vid="{4A3C46E8-61CC-4603-A589-7422A47A8E4A}"/>
+      <thm15:themeFamily xmlns:thm15="http://schemas.microsoft.com/office/thememl/2012/main" name="Office Theme" id="{62F939B6-93AF-4DB8-9C6B-D6C7DFDC589F}" vid="{4A3C46E8-61CC-4603-A589-7422A47A8E4A}"/>
     </a:ext>
   </a:extLst>
 </a:theme>
@@ -9923,7 +10152,7 @@
   <a:extraClrSchemeLst/>
   <a:extLst>
     <a:ext uri="{05A4C25C-085E-4340-85A3-A5531E510DB2}">
-      <thm15:themeFamily xmlns="" xmlns:thm15="http://schemas.microsoft.com/office/thememl/2012/main" name="Office Theme" id="{62F939B6-93AF-4DB8-9C6B-D6C7DFDC589F}" vid="{4A3C46E8-61CC-4603-A589-7422A47A8E4A}"/>
+      <thm15:themeFamily xmlns:thm15="http://schemas.microsoft.com/office/thememl/2012/main" name="Office Theme" id="{62F939B6-93AF-4DB8-9C6B-D6C7DFDC589F}" vid="{4A3C46E8-61CC-4603-A589-7422A47A8E4A}"/>
     </a:ext>
   </a:extLst>
 </a:theme>
